--- a/571/CSE571S Final Project.pptx
+++ b/571/CSE571S Final Project.pptx
@@ -5,17 +5,16 @@
     <p:sldMasterId id="2147483648" r:id="rId1"/>
   </p:sldMasterIdLst>
   <p:notesMasterIdLst>
-    <p:notesMasterId r:id="rId7"/>
+    <p:notesMasterId r:id="rId6"/>
   </p:notesMasterIdLst>
   <p:handoutMasterIdLst>
-    <p:handoutMasterId r:id="rId8"/>
+    <p:handoutMasterId r:id="rId7"/>
   </p:handoutMasterIdLst>
   <p:sldIdLst>
     <p:sldId id="256" r:id="rId2"/>
-    <p:sldId id="268" r:id="rId3"/>
-    <p:sldId id="269" r:id="rId4"/>
-    <p:sldId id="273" r:id="rId5"/>
-    <p:sldId id="272" r:id="rId6"/>
+    <p:sldId id="274" r:id="rId3"/>
+    <p:sldId id="268" r:id="rId4"/>
+    <p:sldId id="272" r:id="rId5"/>
   </p:sldIdLst>
   <p:sldSz cx="12188825" cy="6858000"/>
   <p:notesSz cx="6858000" cy="9144000"/>
@@ -242,7 +241,7 @@
                 <a:latin typeface="微软雅黑" panose="020B0503020204020204" pitchFamily="34" charset="-122"/>
                 <a:ea typeface="微软雅黑" panose="020B0503020204020204" pitchFamily="34" charset="-122"/>
               </a:rPr>
-              <a:t>2018年11月13日</a:t>
+              <a:t>2018年12月6日</a:t>
             </a:fld>
             <a:endParaRPr lang="zh-CN" altLang="en-US" dirty="0">
               <a:latin typeface="微软雅黑" panose="020B0503020204020204" pitchFamily="34" charset="-122"/>
@@ -434,7 +433,7 @@
             <a:fld id="{07D6BDDC-F39A-4E16-93D6-E40B88AA6D58}" type="datetime2">
               <a:rPr lang="zh-CN" altLang="en-US" smtClean="0"/>
               <a:pPr/>
-              <a:t>2018年11月13日</a:t>
+              <a:t>2018年12月6日</a:t>
             </a:fld>
             <a:endParaRPr lang="zh-CN" altLang="en-US" dirty="0"/>
           </a:p>
@@ -874,7 +873,7 @@
             <a:fld id="{841221E5-7225-48EB-A4EE-420E7BFCF705}" type="slidenum">
               <a:rPr lang="en-US" altLang="zh-CN" smtClean="0"/>
               <a:pPr rtl="0"/>
-              <a:t>2</a:t>
+              <a:t>3</a:t>
             </a:fld>
             <a:endParaRPr lang="zh-CN" altLang="en-US" dirty="0"/>
           </a:p>
@@ -963,96 +962,7 @@
             <a:fld id="{841221E5-7225-48EB-A4EE-420E7BFCF705}" type="slidenum">
               <a:rPr lang="en-US" altLang="zh-CN" smtClean="0"/>
               <a:pPr rtl="0"/>
-              <a:t>3</a:t>
-            </a:fld>
-            <a:endParaRPr lang="zh-CN" altLang="en-US" dirty="0"/>
-          </a:p>
-        </p:txBody>
-      </p:sp>
-    </p:spTree>
-    <p:extLst>
-      <p:ext uri="{BB962C8B-B14F-4D97-AF65-F5344CB8AC3E}">
-        <p14:creationId xmlns:p14="http://schemas.microsoft.com/office/powerpoint/2010/main" val="4107017851"/>
-      </p:ext>
-    </p:extLst>
-  </p:cSld>
-  <p:clrMapOvr>
-    <a:masterClrMapping/>
-  </p:clrMapOvr>
-</p:notes>
-</file>
-
-<file path=ppt/notesSlides/notesSlide4.xml><?xml version="1.0" encoding="utf-8"?>
-<p:notes xmlns:a="http://schemas.openxmlformats.org/drawingml/2006/main" xmlns:r="http://schemas.openxmlformats.org/officeDocument/2006/relationships" xmlns:p="http://schemas.openxmlformats.org/presentationml/2006/main">
-  <p:cSld>
-    <p:spTree>
-      <p:nvGrpSpPr>
-        <p:cNvPr id="1" name=""/>
-        <p:cNvGrpSpPr/>
-        <p:nvPr/>
-      </p:nvGrpSpPr>
-      <p:grpSpPr>
-        <a:xfrm>
-          <a:off x="0" y="0"/>
-          <a:ext cx="0" cy="0"/>
-          <a:chOff x="0" y="0"/>
-          <a:chExt cx="0" cy="0"/>
-        </a:xfrm>
-      </p:grpSpPr>
-      <p:sp>
-        <p:nvSpPr>
-          <p:cNvPr id="2" name="幻灯片图像占位符 1"/>
-          <p:cNvSpPr>
-            <a:spLocks noGrp="1" noRot="1" noChangeAspect="1"/>
-          </p:cNvSpPr>
-          <p:nvPr>
-            <p:ph type="sldImg"/>
-          </p:nvPr>
-        </p:nvSpPr>
-        <p:spPr/>
-      </p:sp>
-      <p:sp>
-        <p:nvSpPr>
-          <p:cNvPr id="3" name="备注占位符 2"/>
-          <p:cNvSpPr>
-            <a:spLocks noGrp="1"/>
-          </p:cNvSpPr>
-          <p:nvPr>
-            <p:ph type="body" idx="1"/>
-          </p:nvPr>
-        </p:nvSpPr>
-        <p:spPr/>
-        <p:txBody>
-          <a:bodyPr/>
-          <a:lstStyle/>
-          <a:p>
-            <a:endParaRPr lang="zh-CN" altLang="en-US" dirty="0">
-              <a:latin typeface="微软雅黑" panose="020B0503020204020204" pitchFamily="34" charset="-122"/>
-              <a:ea typeface="微软雅黑" panose="020B0503020204020204" pitchFamily="34" charset="-122"/>
-            </a:endParaRPr>
-          </a:p>
-        </p:txBody>
-      </p:sp>
-      <p:sp>
-        <p:nvSpPr>
-          <p:cNvPr id="4" name="灯片编号占位符 3"/>
-          <p:cNvSpPr>
-            <a:spLocks noGrp="1"/>
-          </p:cNvSpPr>
-          <p:nvPr>
-            <p:ph type="sldNum" sz="quarter" idx="10"/>
-          </p:nvPr>
-        </p:nvSpPr>
-        <p:spPr/>
-        <p:txBody>
-          <a:bodyPr/>
-          <a:lstStyle/>
-          <a:p>
-            <a:pPr rtl="0"/>
-            <a:fld id="{841221E5-7225-48EB-A4EE-420E7BFCF705}" type="slidenum">
-              <a:rPr lang="en-US" altLang="zh-CN" smtClean="0"/>
-              <a:pPr rtl="0"/>
-              <a:t>5</a:t>
+              <a:t>4</a:t>
             </a:fld>
             <a:endParaRPr lang="zh-CN" altLang="en-US" dirty="0"/>
           </a:p>
@@ -2019,7 +1929,7 @@
             <a:fld id="{4947C3F0-2957-4D41-9FB7-182757A04D67}" type="datetime2">
               <a:rPr lang="zh-CN" altLang="en-US" smtClean="0"/>
               <a:pPr/>
-              <a:t>2018年11月13日</a:t>
+              <a:t>2018年12月6日</a:t>
             </a:fld>
             <a:endParaRPr lang="zh-CN" altLang="en-US" dirty="0"/>
           </a:p>
@@ -2252,7 +2162,7 @@
             <a:fld id="{8DF8E148-EC1F-43A2-8C9E-1F57F6D08A76}" type="datetime2">
               <a:rPr lang="zh-CN" altLang="en-US" smtClean="0"/>
               <a:pPr/>
-              <a:t>2018年11月13日</a:t>
+              <a:t>2018年12月6日</a:t>
             </a:fld>
             <a:endParaRPr lang="zh-CN" altLang="en-US" dirty="0"/>
           </a:p>
@@ -3135,7 +3045,7 @@
             <a:fld id="{FB7B4C11-1E14-4887-9E78-A9346EC068F1}" type="datetime2">
               <a:rPr lang="zh-CN" altLang="en-US" smtClean="0"/>
               <a:pPr/>
-              <a:t>2018年11月13日</a:t>
+              <a:t>2018年12月6日</a:t>
             </a:fld>
             <a:endParaRPr lang="zh-CN" altLang="en-US" dirty="0"/>
           </a:p>
@@ -3394,7 +3304,7 @@
             <a:fld id="{86FD5D46-E987-42B2-B42C-B8920598FADE}" type="datetime2">
               <a:rPr lang="zh-CN" altLang="en-US" smtClean="0"/>
               <a:pPr/>
-              <a:t>2018年11月13日</a:t>
+              <a:t>2018年12月6日</a:t>
             </a:fld>
             <a:endParaRPr lang="zh-CN" altLang="en-US" dirty="0"/>
           </a:p>
@@ -4721,7 +4631,7 @@
             <a:fld id="{8365F240-A7EF-41C8-A85B-C448CF84B5E5}" type="datetime2">
               <a:rPr lang="zh-CN" altLang="en-US" smtClean="0"/>
               <a:pPr/>
-              <a:t>2018年11月13日</a:t>
+              <a:t>2018年12月6日</a:t>
             </a:fld>
             <a:endParaRPr lang="zh-CN" altLang="en-US" dirty="0"/>
           </a:p>
@@ -5056,7 +4966,7 @@
             <a:fld id="{F770B30E-8728-44DB-AEE3-E4A75AEDBBD9}" type="datetime2">
               <a:rPr lang="zh-CN" altLang="en-US" smtClean="0"/>
               <a:pPr/>
-              <a:t>2018年11月13日</a:t>
+              <a:t>2018年12月6日</a:t>
             </a:fld>
             <a:endParaRPr lang="zh-CN" altLang="en-US" dirty="0"/>
           </a:p>
@@ -5557,7 +5467,7 @@
             <a:fld id="{680BCF82-A51A-4389-A573-378AD02C5141}" type="datetime2">
               <a:rPr lang="zh-CN" altLang="en-US" smtClean="0"/>
               <a:pPr/>
-              <a:t>2018年11月13日</a:t>
+              <a:t>2018年12月6日</a:t>
             </a:fld>
             <a:endParaRPr lang="zh-CN" altLang="en-US" dirty="0"/>
           </a:p>
@@ -5712,7 +5622,7 @@
             <a:fld id="{CE03A716-E3DC-4D9D-823C-60FCD8C9B163}" type="datetime2">
               <a:rPr lang="zh-CN" altLang="en-US" smtClean="0"/>
               <a:pPr/>
-              <a:t>2018年11月13日</a:t>
+              <a:t>2018年12月6日</a:t>
             </a:fld>
             <a:endParaRPr lang="zh-CN" altLang="en-US" dirty="0"/>
           </a:p>
@@ -6072,7 +5982,7 @@
             <a:fld id="{C16B8A94-44E5-4844-A22C-F796FCAA90D9}" type="datetime2">
               <a:rPr lang="zh-CN" altLang="en-US" smtClean="0"/>
               <a:pPr/>
-              <a:t>2018年11月13日</a:t>
+              <a:t>2018年12月6日</a:t>
             </a:fld>
             <a:endParaRPr lang="zh-CN" altLang="en-US" dirty="0"/>
           </a:p>
@@ -6614,7 +6524,7 @@
             <a:fld id="{F288B2AC-AC0A-4E49-82A3-94EE74FA7FBF}" type="datetime2">
               <a:rPr lang="zh-CN" altLang="en-US" smtClean="0"/>
               <a:pPr/>
-              <a:t>2018年11月13日</a:t>
+              <a:t>2018年12月6日</a:t>
             </a:fld>
             <a:endParaRPr lang="zh-CN" altLang="en-US" dirty="0"/>
           </a:p>
@@ -7100,7 +7010,7 @@
             <a:fld id="{1878E339-1BD2-4FEE-A113-9A0301740CF6}" type="datetime2">
               <a:rPr lang="zh-CN" altLang="en-US" smtClean="0"/>
               <a:pPr/>
-              <a:t>2018年11月13日</a:t>
+              <a:t>2018年12月6日</a:t>
             </a:fld>
             <a:endParaRPr lang="zh-CN" altLang="en-US" dirty="0"/>
           </a:p>
@@ -8024,7 +7934,7 @@
             <a:fld id="{A339CB27-C670-4AAB-948C-7E3D1D9FAE30}" type="datetime2">
               <a:rPr lang="zh-CN" altLang="en-US" smtClean="0"/>
               <a:pPr/>
-              <a:t>2018年11月13日</a:t>
+              <a:t>2018年12月6日</a:t>
             </a:fld>
             <a:endParaRPr lang="zh-CN" altLang="en-US" dirty="0"/>
           </a:p>
@@ -8491,7 +8401,7 @@
                 <a:ea typeface="微软雅黑" panose="020B0503020204020204" pitchFamily="34" charset="-122"/>
                 <a:sym typeface="Arial" panose="020B0604020202020204" pitchFamily="34" charset="0"/>
               </a:rPr>
-              <a:t>CSE571S Final Project</a:t>
+              <a:t>Spectre</a:t>
             </a:r>
             <a:endParaRPr lang="zh-CN" altLang="en-US" dirty="0">
               <a:latin typeface="Arial" panose="020B0604020202020204" pitchFamily="34" charset="0"/>
@@ -8527,7 +8437,7 @@
                 <a:latin typeface="Arial" panose="020B0604020202020204" pitchFamily="34" charset="0"/>
                 <a:sym typeface="Arial" panose="020B0604020202020204" pitchFamily="34" charset="0"/>
               </a:rPr>
-              <a:t>Spectre</a:t>
+              <a:t>CSE571S Final Project</a:t>
             </a:r>
             <a:endParaRPr lang="zh-CN" altLang="en-US" dirty="0">
               <a:latin typeface="Arial" panose="020B0604020202020204" pitchFamily="34" charset="0"/>
@@ -8803,7 +8713,13 @@
       </p:grpSpPr>
       <p:sp>
         <p:nvSpPr>
-          <p:cNvPr id="2" name="标题 1"/>
+          <p:cNvPr id="2" name="标题 1">
+            <a:extLst>
+              <a:ext uri="{FF2B5EF4-FFF2-40B4-BE49-F238E27FC236}">
+                <a16:creationId xmlns:a16="http://schemas.microsoft.com/office/drawing/2014/main" id="{E87CD09A-7C32-4488-AED7-4DF2B3F6A8CE}"/>
+              </a:ext>
+            </a:extLst>
+          </p:cNvPr>
           <p:cNvSpPr>
             <a:spLocks noGrp="1"/>
           </p:cNvSpPr>
@@ -8813,195 +8729,41 @@
         </p:nvSpPr>
         <p:spPr/>
         <p:txBody>
-          <a:bodyPr rtlCol="0"/>
+          <a:bodyPr/>
           <a:lstStyle/>
           <a:p>
-            <a:pPr rtl="0"/>
             <a:r>
-              <a:rPr lang="en-US" altLang="zh-CN">
-                <a:latin typeface="Arial" panose="020B0604020202020204" pitchFamily="34" charset="0"/>
-                <a:ea typeface="微软雅黑" panose="020B0503020204020204" pitchFamily="34" charset="-122"/>
-                <a:sym typeface="Arial" panose="020B0604020202020204" pitchFamily="34" charset="0"/>
-              </a:rPr>
-              <a:t>Spectre</a:t>
+              <a:rPr lang="en-US" altLang="zh-CN"/>
+              <a:t>Definition</a:t>
             </a:r>
-            <a:endParaRPr lang="zh-CN" altLang="en-US" dirty="0">
-              <a:latin typeface="Arial" panose="020B0604020202020204" pitchFamily="34" charset="0"/>
-              <a:ea typeface="微软雅黑" panose="020B0503020204020204" pitchFamily="34" charset="-122"/>
-              <a:sym typeface="Arial" panose="020B0604020202020204" pitchFamily="34" charset="0"/>
-            </a:endParaRPr>
-          </a:p>
-        </p:txBody>
-      </p:sp>
-      <p:pic>
-        <p:nvPicPr>
-          <p:cNvPr id="4" name="图片 3">
+            <a:endParaRPr lang="zh-CN" altLang="en-US"/>
+          </a:p>
+        </p:txBody>
+      </p:sp>
+      <p:sp>
+        <p:nvSpPr>
+          <p:cNvPr id="3" name="内容占位符 2">
             <a:extLst>
               <a:ext uri="{FF2B5EF4-FFF2-40B4-BE49-F238E27FC236}">
-                <a16:creationId xmlns:a16="http://schemas.microsoft.com/office/drawing/2014/main" id="{759006E8-3281-4FDD-BC11-039C2B8BFAB1}"/>
+                <a16:creationId xmlns:a16="http://schemas.microsoft.com/office/drawing/2014/main" id="{FFBBE50B-7A78-4DB7-B371-D5CF667B1054}"/>
               </a:ext>
             </a:extLst>
           </p:cNvPr>
-          <p:cNvPicPr>
-            <a:picLocks noChangeAspect="1"/>
-          </p:cNvPicPr>
-          <p:nvPr/>
-        </p:nvPicPr>
-        <p:blipFill>
-          <a:blip r:embed="rId3"/>
-          <a:stretch>
-            <a:fillRect/>
-          </a:stretch>
-        </p:blipFill>
-        <p:spPr>
-          <a:xfrm>
-            <a:off x="2061078" y="2948047"/>
-            <a:ext cx="8066667" cy="961905"/>
-          </a:xfrm>
-          <a:prstGeom prst="rect">
-            <a:avLst/>
-          </a:prstGeom>
-        </p:spPr>
-      </p:pic>
-      <p:sp>
-        <p:nvSpPr>
-          <p:cNvPr id="5" name="文本框 4">
-            <a:extLst>
-              <a:ext uri="{FF2B5EF4-FFF2-40B4-BE49-F238E27FC236}">
-                <a16:creationId xmlns:a16="http://schemas.microsoft.com/office/drawing/2014/main" id="{188758F1-8EC6-4180-A03B-C65B5763577B}"/>
-              </a:ext>
-            </a:extLst>
-          </p:cNvPr>
-          <p:cNvSpPr txBox="1"/>
-          <p:nvPr/>
-        </p:nvSpPr>
-        <p:spPr>
-          <a:xfrm>
-            <a:off x="2589212" y="5257800"/>
-            <a:ext cx="2033314" cy="369332"/>
-          </a:xfrm>
-          <a:prstGeom prst="rect">
-            <a:avLst/>
-          </a:prstGeom>
-          <a:noFill/>
-        </p:spPr>
-        <p:txBody>
-          <a:bodyPr wrap="none" rtlCol="0">
-            <a:spAutoFit/>
-          </a:bodyPr>
+          <p:cNvSpPr>
+            <a:spLocks noGrp="1"/>
+          </p:cNvSpPr>
+          <p:nvPr>
+            <p:ph idx="1"/>
+          </p:nvPr>
+        </p:nvSpPr>
+        <p:spPr/>
+        <p:txBody>
+          <a:bodyPr/>
           <a:lstStyle/>
           <a:p>
             <a:r>
               <a:rPr lang="en-US" altLang="zh-CN"/>
-              <a:t>branch prediction</a:t>
-            </a:r>
-            <a:endParaRPr lang="zh-CN" altLang="en-US"/>
-          </a:p>
-        </p:txBody>
-      </p:sp>
-      <p:sp>
-        <p:nvSpPr>
-          <p:cNvPr id="6" name="文本框 5">
-            <a:extLst>
-              <a:ext uri="{FF2B5EF4-FFF2-40B4-BE49-F238E27FC236}">
-                <a16:creationId xmlns:a16="http://schemas.microsoft.com/office/drawing/2014/main" id="{DC46968D-80F9-45BF-B82C-CC823C69E66A}"/>
-              </a:ext>
-            </a:extLst>
-          </p:cNvPr>
-          <p:cNvSpPr txBox="1"/>
-          <p:nvPr/>
-        </p:nvSpPr>
-        <p:spPr>
-          <a:xfrm>
-            <a:off x="5332412" y="5334000"/>
-            <a:ext cx="1399550" cy="369332"/>
-          </a:xfrm>
-          <a:prstGeom prst="rect">
-            <a:avLst/>
-          </a:prstGeom>
-          <a:noFill/>
-        </p:spPr>
-        <p:txBody>
-          <a:bodyPr wrap="none" rtlCol="0">
-            <a:spAutoFit/>
-          </a:bodyPr>
-          <a:lstStyle/>
-          <a:p>
-            <a:r>
-              <a:rPr lang="en-US" altLang="zh-CN"/>
-              <a:t>page cache</a:t>
-            </a:r>
-            <a:endParaRPr lang="zh-CN" altLang="en-US"/>
-          </a:p>
-        </p:txBody>
-      </p:sp>
-      <p:sp>
-        <p:nvSpPr>
-          <p:cNvPr id="8" name="文本框 7">
-            <a:extLst>
-              <a:ext uri="{FF2B5EF4-FFF2-40B4-BE49-F238E27FC236}">
-                <a16:creationId xmlns:a16="http://schemas.microsoft.com/office/drawing/2014/main" id="{D9846111-486C-4862-8603-CEE55290BB8C}"/>
-              </a:ext>
-            </a:extLst>
-          </p:cNvPr>
-          <p:cNvSpPr txBox="1"/>
-          <p:nvPr/>
-        </p:nvSpPr>
-        <p:spPr>
-          <a:xfrm>
-            <a:off x="8075612" y="5257800"/>
-            <a:ext cx="2275623" cy="369332"/>
-          </a:xfrm>
-          <a:prstGeom prst="rect">
-            <a:avLst/>
-          </a:prstGeom>
-          <a:noFill/>
-        </p:spPr>
-        <p:txBody>
-          <a:bodyPr wrap="none" rtlCol="0">
-            <a:spAutoFit/>
-          </a:bodyPr>
-          <a:lstStyle/>
-          <a:p>
-            <a:r>
-              <a:rPr lang="en-US" altLang="zh-CN"/>
-              <a:t>high-precision timer</a:t>
-            </a:r>
-            <a:endParaRPr lang="zh-CN" altLang="en-US"/>
-          </a:p>
-        </p:txBody>
-      </p:sp>
-      <p:sp>
-        <p:nvSpPr>
-          <p:cNvPr id="9" name="文本框 8">
-            <a:extLst>
-              <a:ext uri="{FF2B5EF4-FFF2-40B4-BE49-F238E27FC236}">
-                <a16:creationId xmlns:a16="http://schemas.microsoft.com/office/drawing/2014/main" id="{14D2F974-8977-4877-9E63-C322B4A88054}"/>
-              </a:ext>
-            </a:extLst>
-          </p:cNvPr>
-          <p:cNvSpPr txBox="1"/>
-          <p:nvPr/>
-        </p:nvSpPr>
-        <p:spPr>
-          <a:xfrm>
-            <a:off x="1593436" y="6400800"/>
-            <a:ext cx="9414629" cy="369332"/>
-          </a:xfrm>
-          <a:prstGeom prst="rect">
-            <a:avLst/>
-          </a:prstGeom>
-          <a:noFill/>
-        </p:spPr>
-        <p:txBody>
-          <a:bodyPr wrap="none" rtlCol="0">
-            <a:spAutoFit/>
-          </a:bodyPr>
-          <a:lstStyle/>
-          <a:p>
-            <a:r>
-              <a:rPr lang="en-US" altLang="zh-CN"/>
-              <a:t>https://msdn.microsoft.com/en-us/library/windows/desktop/ms680553(v=vs.85).aspx</a:t>
+              <a:t>Spectre is a vulnerability that affects modern microprocessors that perform branch prediction. On most processors, the speculative execution resulting from a branch misprediction may leave observable side effects that may reveal private data to attackers. For example, if the pattern of memory accesses performed by such speculative execution depends on private data, the resulting state of the data cache constitutes a side channel through which an attacker may be able to extract information about the private data using a timing attack.</a:t>
             </a:r>
             <a:endParaRPr lang="zh-CN" altLang="en-US"/>
           </a:p>
@@ -9010,7 +8772,7 @@
     </p:spTree>
     <p:extLst>
       <p:ext uri="{BB962C8B-B14F-4D97-AF65-F5344CB8AC3E}">
-        <p14:creationId xmlns:p14="http://schemas.microsoft.com/office/powerpoint/2010/main" val="571916843"/>
+        <p14:creationId xmlns:p14="http://schemas.microsoft.com/office/powerpoint/2010/main" val="1765936652"/>
       </p:ext>
     </p:extLst>
   </p:cSld>
@@ -9071,7 +8833,7 @@
                 <a:ea typeface="微软雅黑" panose="020B0503020204020204" pitchFamily="34" charset="-122"/>
                 <a:sym typeface="Arial" panose="020B0604020202020204" pitchFamily="34" charset="0"/>
               </a:rPr>
-              <a:t>Approach &amp; Schedule</a:t>
+              <a:t>Spectre</a:t>
             </a:r>
             <a:endParaRPr lang="zh-CN" altLang="en-US" dirty="0">
               <a:latin typeface="Arial" panose="020B0604020202020204" pitchFamily="34" charset="0"/>
@@ -9083,10 +8845,10 @@
       </p:sp>
       <p:sp>
         <p:nvSpPr>
-          <p:cNvPr id="8" name="文本框 7">
+          <p:cNvPr id="3" name="文本框 2">
             <a:extLst>
               <a:ext uri="{FF2B5EF4-FFF2-40B4-BE49-F238E27FC236}">
-                <a16:creationId xmlns:a16="http://schemas.microsoft.com/office/drawing/2014/main" id="{3AE3AD36-C576-48FF-8DC4-7B7B783C3298}"/>
+                <a16:creationId xmlns:a16="http://schemas.microsoft.com/office/drawing/2014/main" id="{A7037644-0C09-41F6-AF6C-D18D3A091895}"/>
               </a:ext>
             </a:extLst>
           </p:cNvPr>
@@ -9095,8 +8857,8 @@
         </p:nvSpPr>
         <p:spPr>
           <a:xfrm>
-            <a:off x="1674812" y="1676400"/>
-            <a:ext cx="9525000" cy="923330"/>
+            <a:off x="1705293" y="1676400"/>
+            <a:ext cx="9782801" cy="2308324"/>
           </a:xfrm>
           <a:prstGeom prst="rect">
             <a:avLst/>
@@ -9111,27 +8873,52 @@
           <a:p>
             <a:r>
               <a:rPr lang="en-US" altLang="zh-CN"/>
-              <a:t>1st week: local exploitation, controlled environment</a:t>
+              <a:t>1. Get the buffer address you want to access.</a:t>
             </a:r>
           </a:p>
           <a:p>
             <a:r>
               <a:rPr lang="en-US" altLang="zh-CN"/>
-              <a:t>2nd~3rd week: local exploitation, uncontrolled environment</a:t>
+              <a:t>   As long as you mapped it to virtual memory.</a:t>
             </a:r>
           </a:p>
           <a:p>
             <a:r>
               <a:rPr lang="en-US" altLang="zh-CN"/>
-              <a:t>4th~5th weeks: remote exploitation, uncontrolled environment</a:t>
+              <a:t>2. Create the traning &amp; attacking function.</a:t>
             </a:r>
+          </a:p>
+          <a:p>
+            <a:r>
+              <a:rPr lang="en-US" altLang="zh-CN"/>
+              <a:t>   Train the branch predition to TRUE for several times. Then invoke the function with  </a:t>
+            </a:r>
+          </a:p>
+          <a:p>
+            <a:r>
+              <a:rPr lang="en-US" altLang="zh-CN"/>
+              <a:t>malicious address.</a:t>
+            </a:r>
+          </a:p>
+          <a:p>
+            <a:r>
+              <a:rPr lang="en-US" altLang="zh-CN"/>
+              <a:t>3. Doing Timing attack.</a:t>
+            </a:r>
+          </a:p>
+          <a:p>
+            <a:r>
+              <a:rPr lang="en-US" altLang="zh-CN"/>
+              <a:t>   Like play a piano with 256 keys, you play each key once and one or two of them will sounds clearly and others will sounds laggy.</a:t>
+            </a:r>
+            <a:endParaRPr lang="zh-CN" altLang="en-US"/>
           </a:p>
         </p:txBody>
       </p:sp>
     </p:spTree>
     <p:extLst>
       <p:ext uri="{BB962C8B-B14F-4D97-AF65-F5344CB8AC3E}">
-        <p14:creationId xmlns:p14="http://schemas.microsoft.com/office/powerpoint/2010/main" val="2593339164"/>
+        <p14:creationId xmlns:p14="http://schemas.microsoft.com/office/powerpoint/2010/main" val="571916843"/>
       </p:ext>
     </p:extLst>
   </p:cSld>
@@ -9154,113 +8941,6 @@
 </file>
 
 <file path=ppt/slides/slide4.xml><?xml version="1.0" encoding="utf-8"?>
-<p:sld xmlns:a="http://schemas.openxmlformats.org/drawingml/2006/main" xmlns:r="http://schemas.openxmlformats.org/officeDocument/2006/relationships" xmlns:p="http://schemas.openxmlformats.org/presentationml/2006/main">
-  <p:cSld>
-    <p:spTree>
-      <p:nvGrpSpPr>
-        <p:cNvPr id="1" name=""/>
-        <p:cNvGrpSpPr/>
-        <p:nvPr/>
-      </p:nvGrpSpPr>
-      <p:grpSpPr>
-        <a:xfrm>
-          <a:off x="0" y="0"/>
-          <a:ext cx="0" cy="0"/>
-          <a:chOff x="0" y="0"/>
-          <a:chExt cx="0" cy="0"/>
-        </a:xfrm>
-      </p:grpSpPr>
-      <p:sp>
-        <p:nvSpPr>
-          <p:cNvPr id="2" name="标题 1">
-            <a:extLst>
-              <a:ext uri="{FF2B5EF4-FFF2-40B4-BE49-F238E27FC236}">
-                <a16:creationId xmlns:a16="http://schemas.microsoft.com/office/drawing/2014/main" id="{BA8802EF-FB29-47D0-B6AF-54C23D8B7FCE}"/>
-              </a:ext>
-            </a:extLst>
-          </p:cNvPr>
-          <p:cNvSpPr>
-            <a:spLocks noGrp="1"/>
-          </p:cNvSpPr>
-          <p:nvPr>
-            <p:ph type="title"/>
-          </p:nvPr>
-        </p:nvSpPr>
-        <p:spPr/>
-        <p:txBody>
-          <a:bodyPr/>
-          <a:lstStyle/>
-          <a:p>
-            <a:r>
-              <a:rPr lang="en-US" altLang="zh-CN"/>
-              <a:t>Goal</a:t>
-            </a:r>
-            <a:endParaRPr lang="zh-CN" altLang="en-US"/>
-          </a:p>
-        </p:txBody>
-      </p:sp>
-      <p:sp>
-        <p:nvSpPr>
-          <p:cNvPr id="5" name="文本框 4">
-            <a:extLst>
-              <a:ext uri="{FF2B5EF4-FFF2-40B4-BE49-F238E27FC236}">
-                <a16:creationId xmlns:a16="http://schemas.microsoft.com/office/drawing/2014/main" id="{30E28D0B-B888-4DFB-BC9B-2493AB2FBEF4}"/>
-              </a:ext>
-            </a:extLst>
-          </p:cNvPr>
-          <p:cNvSpPr txBox="1"/>
-          <p:nvPr/>
-        </p:nvSpPr>
-        <p:spPr>
-          <a:xfrm>
-            <a:off x="1593436" y="1524000"/>
-            <a:ext cx="9682576" cy="369332"/>
-          </a:xfrm>
-          <a:prstGeom prst="rect">
-            <a:avLst/>
-          </a:prstGeom>
-          <a:noFill/>
-        </p:spPr>
-        <p:txBody>
-          <a:bodyPr wrap="square" rtlCol="0">
-            <a:spAutoFit/>
-          </a:bodyPr>
-          <a:lstStyle/>
-          <a:p>
-            <a:r>
-              <a:rPr lang="en-US" altLang="zh-CN"/>
-              <a:t>A website tab steal and display data from other website tab.</a:t>
-            </a:r>
-            <a:endParaRPr lang="zh-CN" altLang="en-US"/>
-          </a:p>
-        </p:txBody>
-      </p:sp>
-    </p:spTree>
-    <p:extLst>
-      <p:ext uri="{BB962C8B-B14F-4D97-AF65-F5344CB8AC3E}">
-        <p14:creationId xmlns:p14="http://schemas.microsoft.com/office/powerpoint/2010/main" val="3627248749"/>
-      </p:ext>
-    </p:extLst>
-  </p:cSld>
-  <p:clrMapOvr>
-    <a:masterClrMapping/>
-  </p:clrMapOvr>
-  <mc:AlternateContent xmlns:mc="http://schemas.openxmlformats.org/markup-compatibility/2006" xmlns:p14="http://schemas.microsoft.com/office/powerpoint/2010/main">
-    <mc:Choice Requires="p14">
-      <p:transition spd="med" p14:dur="700">
-        <p:fade/>
-      </p:transition>
-    </mc:Choice>
-    <mc:Fallback xmlns="">
-      <p:transition spd="med">
-        <p:fade/>
-      </p:transition>
-    </mc:Fallback>
-  </mc:AlternateContent>
-</p:sld>
-</file>
-
-<file path=ppt/slides/slide5.xml><?xml version="1.0" encoding="utf-8"?>
 <p:sld xmlns:a="http://schemas.openxmlformats.org/drawingml/2006/main" xmlns:r="http://schemas.openxmlformats.org/officeDocument/2006/relationships" xmlns:p="http://schemas.openxmlformats.org/presentationml/2006/main">
   <p:cSld>
     <p:spTree>
